--- a/Week07/MoreSelectors.pptx
+++ b/Week07/MoreSelectors.pptx
@@ -218,7 +218,7 @@
           <a:p>
             <a:fld id="{19104133-B5B0-4351-8158-4F0E5EB1E2BF}" type="datetimeFigureOut">
               <a:rPr lang="en-US" smtClean="0"/>
-              <a:t>3/23/2020</a:t>
+              <a:t>3/18/2022</a:t>
             </a:fld>
             <a:endParaRPr lang="en-US"/>
           </a:p>
@@ -282,38 +282,37 @@
           <a:p>
             <a:pPr lvl="0"/>
             <a:r>
-              <a:rPr lang="en-US" smtClean="0"/>
+              <a:rPr lang="en-US"/>
               <a:t>Edit Master text styles</a:t>
             </a:r>
           </a:p>
           <a:p>
             <a:pPr lvl="1"/>
             <a:r>
-              <a:rPr lang="en-US" smtClean="0"/>
+              <a:rPr lang="en-US"/>
               <a:t>Second level</a:t>
             </a:r>
           </a:p>
           <a:p>
             <a:pPr lvl="2"/>
             <a:r>
-              <a:rPr lang="en-US" smtClean="0"/>
+              <a:rPr lang="en-US"/>
               <a:t>Third level</a:t>
             </a:r>
           </a:p>
           <a:p>
             <a:pPr lvl="3"/>
             <a:r>
-              <a:rPr lang="en-US" smtClean="0"/>
+              <a:rPr lang="en-US"/>
               <a:t>Fourth level</a:t>
             </a:r>
           </a:p>
           <a:p>
             <a:pPr lvl="4"/>
             <a:r>
-              <a:rPr lang="en-US" smtClean="0"/>
+              <a:rPr lang="en-US"/>
               <a:t>Fifth level</a:t>
             </a:r>
-            <a:endParaRPr lang="en-US"/>
           </a:p>
         </p:txBody>
       </p:sp>
@@ -531,11 +530,11 @@
           <a:lstStyle/>
           <a:p>
             <a:r>
-              <a:rPr lang="en-US" dirty="0" smtClean="0"/>
+              <a:rPr lang="en-US" dirty="0"/>
               <a:t>Review selectors. Ask the</a:t>
             </a:r>
             <a:r>
-              <a:rPr lang="en-US" baseline="0" dirty="0" smtClean="0"/>
+              <a:rPr lang="en-US" baseline="0" dirty="0"/>
               <a:t> students for an example of a selector, and then show them a ruleset using a paragraph selector.</a:t>
             </a:r>
             <a:endParaRPr lang="en-US" dirty="0"/>
@@ -623,28 +622,28 @@
           <a:lstStyle/>
           <a:p>
             <a:r>
-              <a:rPr lang="en-US" dirty="0" smtClean="0"/>
+              <a:rPr lang="en-US" dirty="0"/>
               <a:t>Talk</a:t>
             </a:r>
             <a:r>
-              <a:rPr lang="en-US" baseline="0" dirty="0" smtClean="0"/>
+              <a:rPr lang="en-US" baseline="0" dirty="0"/>
               <a:t> a little more about selectors.</a:t>
             </a:r>
           </a:p>
           <a:p>
-            <a:endParaRPr lang="en-US" baseline="0" dirty="0" smtClean="0"/>
+            <a:endParaRPr lang="en-US" baseline="0" dirty="0"/>
           </a:p>
           <a:p>
             <a:r>
-              <a:rPr lang="en-US" baseline="0" dirty="0" smtClean="0"/>
+              <a:rPr lang="en-US" baseline="0" dirty="0"/>
               <a:t>This slide mentions the </a:t>
             </a:r>
             <a:r>
-              <a:rPr lang="en-US" b="1" baseline="0" dirty="0" smtClean="0"/>
+              <a:rPr lang="en-US" b="1" baseline="0" dirty="0"/>
               <a:t>class</a:t>
             </a:r>
             <a:r>
-              <a:rPr lang="en-US" b="0" baseline="0" dirty="0" smtClean="0"/>
+              <a:rPr lang="en-US" b="0" baseline="0" dirty="0"/>
               <a:t> selector – the students should not be familiar with that yet. The next slide gives an example of class selectors, and the slide after that explains them more fully.</a:t>
             </a:r>
             <a:endParaRPr lang="en-US" dirty="0"/>
@@ -749,14 +748,14 @@
               <a:defRPr/>
             </a:pPr>
             <a:r>
-              <a:rPr lang="en-US" dirty="0" smtClean="0"/>
+              <a:rPr lang="en-US" dirty="0"/>
               <a:t>Show the code for the class selector. Note</a:t>
             </a:r>
             <a:r>
-              <a:rPr lang="en-US" baseline="0" dirty="0" smtClean="0"/>
+              <a:rPr lang="en-US" baseline="0" dirty="0"/>
               <a:t> the dot in front of the class name, and the class attribute value. Class names can be anything. Change “error” to anything else and it will still work the same.</a:t>
             </a:r>
-            <a:endParaRPr lang="en-US" dirty="0" smtClean="0"/>
+            <a:endParaRPr lang="en-US" dirty="0"/>
           </a:p>
           <a:p>
             <a:endParaRPr lang="en-US" dirty="0"/>
@@ -844,26 +843,21 @@
           <a:lstStyle/>
           <a:p>
             <a:r>
-              <a:rPr lang="en-US" dirty="0" smtClean="0"/>
+              <a:rPr lang="en-US" dirty="0"/>
               <a:t>For the </a:t>
             </a:r>
             <a:r>
-              <a:rPr lang="en-US" dirty="0" err="1" smtClean="0"/>
+              <a:rPr lang="en-US" dirty="0" err="1"/>
               <a:t>Repl</a:t>
             </a:r>
             <a:r>
-              <a:rPr lang="en-US" dirty="0" smtClean="0"/>
+              <a:rPr lang="en-US" dirty="0"/>
               <a:t>,</a:t>
             </a:r>
             <a:r>
-              <a:rPr lang="en-US" baseline="0" dirty="0" smtClean="0"/>
-              <a:t> </a:t>
+              <a:rPr lang="en-US" baseline="0" dirty="0"/>
+              <a:t> show the relationship between the class attribute and the class ruleset. Change the value of a class attribute and add another ruleset or change the selector to show how it works.</a:t>
             </a:r>
-            <a:r>
-              <a:rPr lang="en-US" baseline="0" dirty="0" smtClean="0"/>
-              <a:t>show the relationship between the class attribute and the class ruleset. Change the value of a class attribute and add another ruleset or change the selector to show how it works.</a:t>
-            </a:r>
-            <a:endParaRPr lang="en-US" baseline="0" dirty="0" smtClean="0"/>
           </a:p>
         </p:txBody>
       </p:sp>
@@ -965,14 +959,14 @@
               <a:defRPr/>
             </a:pPr>
             <a:r>
-              <a:rPr lang="en-US" dirty="0" smtClean="0"/>
+              <a:rPr lang="en-US" dirty="0"/>
               <a:t>Show the code for the id selector. Note</a:t>
             </a:r>
             <a:r>
-              <a:rPr lang="en-US" baseline="0" dirty="0" smtClean="0"/>
+              <a:rPr lang="en-US" baseline="0" dirty="0"/>
               <a:t> the hashtag in front of the id name, and the id attribute value. Id names can be anything. Change “header1” to anything else and it will still work the same.</a:t>
             </a:r>
-            <a:endParaRPr lang="en-US" dirty="0" smtClean="0"/>
+            <a:endParaRPr lang="en-US" dirty="0"/>
           </a:p>
         </p:txBody>
       </p:sp>
@@ -1057,26 +1051,21 @@
           <a:lstStyle/>
           <a:p>
             <a:r>
-              <a:rPr lang="en-US" dirty="0" smtClean="0"/>
+              <a:rPr lang="en-US" dirty="0"/>
               <a:t>For the </a:t>
             </a:r>
             <a:r>
-              <a:rPr lang="en-US" dirty="0" err="1" smtClean="0"/>
+              <a:rPr lang="en-US" dirty="0" err="1"/>
               <a:t>Repl</a:t>
             </a:r>
             <a:r>
-              <a:rPr lang="en-US" dirty="0" smtClean="0"/>
+              <a:rPr lang="en-US" dirty="0"/>
               <a:t>,</a:t>
             </a:r>
             <a:r>
-              <a:rPr lang="en-US" baseline="0" dirty="0" smtClean="0"/>
-              <a:t> </a:t>
+              <a:rPr lang="en-US" baseline="0" dirty="0"/>
+              <a:t> show the relationship between the id attribute and the id ruleset. Change the value of an id attribute and add another ruleset or change the selector to show how it works.</a:t>
             </a:r>
-            <a:r>
-              <a:rPr lang="en-US" baseline="0" dirty="0" smtClean="0"/>
-              <a:t>show the relationship between the id attribute and the id ruleset. Change the value of an id attribute and add another ruleset or change the selector to show how it works.</a:t>
-            </a:r>
-            <a:endParaRPr lang="en-US" baseline="0" dirty="0" smtClean="0"/>
           </a:p>
         </p:txBody>
       </p:sp>
@@ -1161,27 +1150,27 @@
           <a:lstStyle/>
           <a:p>
             <a:r>
-              <a:rPr lang="en-US" dirty="0" smtClean="0"/>
+              <a:rPr lang="en-US" dirty="0"/>
               <a:t>Note the space between the parent and</a:t>
             </a:r>
             <a:r>
-              <a:rPr lang="en-US" baseline="0" dirty="0" smtClean="0"/>
+              <a:rPr lang="en-US" baseline="0" dirty="0"/>
               <a:t> child element name in the selector. </a:t>
             </a:r>
             <a:r>
-              <a:rPr lang="en-US" dirty="0" smtClean="0"/>
+              <a:rPr lang="en-US" dirty="0"/>
               <a:t>This ruleset will only apply to image</a:t>
             </a:r>
             <a:r>
-              <a:rPr lang="en-US" baseline="0" dirty="0" smtClean="0"/>
+              <a:rPr lang="en-US" baseline="0" dirty="0"/>
               <a:t> elements </a:t>
             </a:r>
             <a:r>
-              <a:rPr lang="en-US" i="1" baseline="0" dirty="0" smtClean="0"/>
+              <a:rPr lang="en-US" i="1" baseline="0" dirty="0"/>
               <a:t>within</a:t>
             </a:r>
             <a:r>
-              <a:rPr lang="en-US" i="0" baseline="0" dirty="0" smtClean="0"/>
+              <a:rPr lang="en-US" i="0" baseline="0" dirty="0"/>
               <a:t> anchor elements. </a:t>
             </a:r>
             <a:endParaRPr lang="en-US" dirty="0"/>
@@ -1269,58 +1258,54 @@
           <a:lstStyle/>
           <a:p>
             <a:r>
-              <a:rPr lang="en-US" dirty="0" smtClean="0"/>
+              <a:rPr lang="en-US" dirty="0"/>
               <a:t>For the </a:t>
             </a:r>
             <a:r>
-              <a:rPr lang="en-US" dirty="0" err="1" smtClean="0"/>
+              <a:rPr lang="en-US" dirty="0" err="1"/>
               <a:t>Repl</a:t>
             </a:r>
             <a:r>
-              <a:rPr lang="en-US" dirty="0" smtClean="0"/>
+              <a:rPr lang="en-US" dirty="0"/>
               <a:t>,</a:t>
             </a:r>
             <a:r>
-              <a:rPr lang="en-US" baseline="0" dirty="0" smtClean="0"/>
-              <a:t> </a:t>
+              <a:rPr lang="en-US" baseline="0" dirty="0"/>
+              <a:t> emphasize the nesting of the </a:t>
             </a:r>
             <a:r>
-              <a:rPr lang="en-US" baseline="0" dirty="0" smtClean="0"/>
-              <a:t>emphasize the nesting of the </a:t>
-            </a:r>
-            <a:r>
-              <a:rPr lang="en-US" b="1" baseline="0" dirty="0" err="1" smtClean="0"/>
+              <a:rPr lang="en-US" b="1" baseline="0" dirty="0" err="1"/>
               <a:t>img</a:t>
             </a:r>
             <a:r>
-              <a:rPr lang="en-US" b="0" baseline="0" dirty="0" smtClean="0"/>
+              <a:rPr lang="en-US" b="0" baseline="0" dirty="0"/>
               <a:t> element within the </a:t>
             </a:r>
             <a:r>
-              <a:rPr lang="en-US" b="1" baseline="0" dirty="0" smtClean="0"/>
+              <a:rPr lang="en-US" b="1" baseline="0" dirty="0"/>
               <a:t>a</a:t>
             </a:r>
             <a:r>
-              <a:rPr lang="en-US" b="0" baseline="0" dirty="0" smtClean="0"/>
+              <a:rPr lang="en-US" b="0" baseline="0" dirty="0"/>
               <a:t> element. Note that the </a:t>
             </a:r>
             <a:r>
-              <a:rPr lang="en-US" b="1" baseline="0" dirty="0" err="1" smtClean="0"/>
+              <a:rPr lang="en-US" b="1" baseline="0" dirty="0" err="1"/>
               <a:t>img</a:t>
             </a:r>
             <a:r>
-              <a:rPr lang="en-US" b="0" baseline="0" dirty="0" smtClean="0"/>
+              <a:rPr lang="en-US" b="0" baseline="0" dirty="0"/>
               <a:t> element outside of an </a:t>
             </a:r>
             <a:r>
-              <a:rPr lang="en-US" b="1" baseline="0" dirty="0" smtClean="0"/>
+              <a:rPr lang="en-US" b="1" baseline="0" dirty="0"/>
               <a:t>a</a:t>
             </a:r>
             <a:r>
-              <a:rPr lang="en-US" b="0" baseline="0" dirty="0" smtClean="0"/>
+              <a:rPr lang="en-US" b="0" baseline="0" dirty="0"/>
               <a:t> element is not affected by the style.</a:t>
             </a:r>
-            <a:endParaRPr lang="en-US" baseline="0" dirty="0" smtClean="0"/>
+            <a:endParaRPr lang="en-US" baseline="0" dirty="0"/>
           </a:p>
         </p:txBody>
       </p:sp>
@@ -1500,15 +1485,7 @@
           <a:p>
             <a:r>
               <a:rPr lang="en-US" dirty="0"/>
-              <a:t>Click to edit Master </a:t>
-            </a:r>
-            <a:r>
-              <a:rPr lang="en-US" dirty="0" smtClean="0"/>
-              <a:t>subtitle </a:t>
-            </a:r>
-            <a:r>
-              <a:rPr lang="en-US" dirty="0"/>
-              <a:t>style</a:t>
+              <a:t>Click to edit Master subtitle style</a:t>
             </a:r>
           </a:p>
         </p:txBody>
@@ -1550,7 +1527,7 @@
             <a:fld id="{1C2D31DE-C454-491C-B5C3-F097855E3DF7}" type="datetime4">
               <a:rPr lang="en-US" smtClean="0"/>
               <a:pPr/>
-              <a:t>March 23, 2020</a:t>
+              <a:t>March 18, 2022</a:t>
             </a:fld>
             <a:endParaRPr lang="en-US" dirty="0"/>
           </a:p>
@@ -4624,17 +4601,16 @@
           <a:p>
             <a:pPr lvl="0"/>
             <a:r>
-              <a:rPr lang="en-US" dirty="0" smtClean="0"/>
+              <a:rPr lang="en-US" dirty="0"/>
               <a:t>Presenter Name</a:t>
             </a:r>
             <a:br>
-              <a:rPr lang="en-US" dirty="0" smtClean="0"/>
+              <a:rPr lang="en-US" dirty="0"/>
             </a:br>
             <a:r>
-              <a:rPr lang="en-US" dirty="0" smtClean="0"/>
+              <a:rPr lang="en-US" dirty="0"/>
               <a:t>Presenter Title</a:t>
             </a:r>
-            <a:endParaRPr lang="en-US" dirty="0"/>
           </a:p>
         </p:txBody>
       </p:sp>
@@ -4651,13 +4627,6 @@
   <p:transition>
     <p:fade/>
   </p:transition>
-  <p:timing>
-    <p:tnLst>
-      <p:par>
-        <p:cTn id="1" dur="indefinite" restart="never" nodeType="tmRoot"/>
-      </p:par>
-    </p:tnLst>
-  </p:timing>
   <p:hf sldNum="0" hdr="0" ftr="0"/>
 </p:sldLayout>
 </file>
@@ -4950,7 +4919,7 @@
           <a:p>
             <a:fld id="{5958763E-B898-436D-883D-03711491D54A}" type="datetimeFigureOut">
               <a:rPr lang="en-US" smtClean="0"/>
-              <a:t>3/23/2020</a:t>
+              <a:t>3/18/2022</a:t>
             </a:fld>
             <a:endParaRPr lang="en-US"/>
           </a:p>
@@ -5023,13 +4992,6 @@
   <p:transition>
     <p:fade/>
   </p:transition>
-  <p:timing>
-    <p:tnLst>
-      <p:par>
-        <p:cTn id="1" dur="indefinite" restart="never" nodeType="tmRoot"/>
-      </p:par>
-    </p:tnLst>
-  </p:timing>
 </p:sldLayout>
 </file>
 
@@ -5078,10 +5040,9 @@
           </a:lstStyle>
           <a:p>
             <a:r>
-              <a:rPr lang="en-US" dirty="0" smtClean="0"/>
+              <a:rPr lang="en-US" dirty="0"/>
               <a:t>Click icon to add picture</a:t>
             </a:r>
-            <a:endParaRPr lang="en-US" dirty="0"/>
           </a:p>
         </p:txBody>
       </p:sp>
@@ -5151,7 +5112,7 @@
           <a:p>
             <a:fld id="{5958763E-B898-436D-883D-03711491D54A}" type="datetimeFigureOut">
               <a:rPr lang="en-US" smtClean="0"/>
-              <a:t>3/23/2020</a:t>
+              <a:t>3/18/2022</a:t>
             </a:fld>
             <a:endParaRPr lang="en-US"/>
           </a:p>
@@ -5224,13 +5185,6 @@
   <p:transition>
     <p:fade/>
   </p:transition>
-  <p:timing>
-    <p:tnLst>
-      <p:par>
-        <p:cTn id="1" dur="indefinite" restart="never" nodeType="tmRoot"/>
-      </p:par>
-    </p:tnLst>
-  </p:timing>
 </p:sldLayout>
 </file>
 
@@ -5408,7 +5362,7 @@
           <a:p>
             <a:fld id="{5958763E-B898-436D-883D-03711491D54A}" type="datetimeFigureOut">
               <a:rPr lang="en-US" smtClean="0"/>
-              <a:t>3/23/2020</a:t>
+              <a:t>3/18/2022</a:t>
             </a:fld>
             <a:endParaRPr lang="en-US"/>
           </a:p>
@@ -5481,13 +5435,6 @@
   <p:transition>
     <p:fade/>
   </p:transition>
-  <p:timing>
-    <p:tnLst>
-      <p:par>
-        <p:cTn id="1" dur="indefinite" restart="never" nodeType="tmRoot"/>
-      </p:par>
-    </p:tnLst>
-  </p:timing>
 </p:sldLayout>
 </file>
 
@@ -5763,7 +5710,7 @@
           <a:p>
             <a:fld id="{5958763E-B898-436D-883D-03711491D54A}" type="datetimeFigureOut">
               <a:rPr lang="en-US" smtClean="0"/>
-              <a:t>3/23/2020</a:t>
+              <a:t>3/18/2022</a:t>
             </a:fld>
             <a:endParaRPr lang="en-US"/>
           </a:p>
@@ -5824,13 +5771,6 @@
   <p:transition>
     <p:fade/>
   </p:transition>
-  <p:timing>
-    <p:tnLst>
-      <p:par>
-        <p:cTn id="1" dur="indefinite" restart="never" nodeType="tmRoot"/>
-      </p:par>
-    </p:tnLst>
-  </p:timing>
 </p:sldLayout>
 </file>
 
@@ -6186,7 +6126,7 @@
           <a:p>
             <a:fld id="{5958763E-B898-436D-883D-03711491D54A}" type="datetimeFigureOut">
               <a:rPr lang="en-US" smtClean="0"/>
-              <a:t>3/23/2020</a:t>
+              <a:t>3/18/2022</a:t>
             </a:fld>
             <a:endParaRPr lang="en-US"/>
           </a:p>
@@ -6247,13 +6187,6 @@
   <p:transition>
     <p:fade/>
   </p:transition>
-  <p:timing>
-    <p:tnLst>
-      <p:par>
-        <p:cTn id="1" dur="indefinite" restart="never" nodeType="tmRoot"/>
-      </p:par>
-    </p:tnLst>
-  </p:timing>
 </p:sldLayout>
 </file>
 
@@ -6694,7 +6627,7 @@
           <a:p>
             <a:fld id="{5958763E-B898-436D-883D-03711491D54A}" type="datetimeFigureOut">
               <a:rPr lang="en-US" smtClean="0"/>
-              <a:t>3/23/2020</a:t>
+              <a:t>3/18/2022</a:t>
             </a:fld>
             <a:endParaRPr lang="en-US"/>
           </a:p>
@@ -6755,13 +6688,6 @@
   <p:transition>
     <p:fade/>
   </p:transition>
-  <p:timing>
-    <p:tnLst>
-      <p:par>
-        <p:cTn id="1" dur="indefinite" restart="never" nodeType="tmRoot"/>
-      </p:par>
-    </p:tnLst>
-  </p:timing>
 </p:sldLayout>
 </file>
 
@@ -7152,7 +7078,7 @@
           <a:p>
             <a:fld id="{5958763E-B898-436D-883D-03711491D54A}" type="datetimeFigureOut">
               <a:rPr lang="en-US" smtClean="0"/>
-              <a:t>3/23/2020</a:t>
+              <a:t>3/18/2022</a:t>
             </a:fld>
             <a:endParaRPr lang="en-US"/>
           </a:p>
@@ -7213,13 +7139,6 @@
   <p:transition>
     <p:fade/>
   </p:transition>
-  <p:timing>
-    <p:tnLst>
-      <p:par>
-        <p:cTn id="1" dur="indefinite" restart="never" nodeType="tmRoot"/>
-      </p:par>
-    </p:tnLst>
-  </p:timing>
 </p:sldLayout>
 </file>
 
@@ -7770,7 +7689,7 @@
           <a:p>
             <a:fld id="{5958763E-B898-436D-883D-03711491D54A}" type="datetimeFigureOut">
               <a:rPr lang="en-US" smtClean="0"/>
-              <a:t>3/23/2020</a:t>
+              <a:t>3/18/2022</a:t>
             </a:fld>
             <a:endParaRPr lang="en-US"/>
           </a:p>
@@ -7831,13 +7750,6 @@
   <p:transition>
     <p:fade/>
   </p:transition>
-  <p:timing>
-    <p:tnLst>
-      <p:par>
-        <p:cTn id="1" dur="indefinite" restart="never" nodeType="tmRoot"/>
-      </p:par>
-    </p:tnLst>
-  </p:timing>
 </p:sldLayout>
 </file>
 
@@ -8548,7 +8460,7 @@
           <a:p>
             <a:fld id="{5958763E-B898-436D-883D-03711491D54A}" type="datetimeFigureOut">
               <a:rPr lang="en-US" smtClean="0"/>
-              <a:t>3/23/2020</a:t>
+              <a:t>3/18/2022</a:t>
             </a:fld>
             <a:endParaRPr lang="en-US"/>
           </a:p>
@@ -8609,13 +8521,6 @@
   <p:transition>
     <p:fade/>
   </p:transition>
-  <p:timing>
-    <p:tnLst>
-      <p:par>
-        <p:cTn id="1" dur="indefinite" restart="never" nodeType="tmRoot"/>
-      </p:par>
-    </p:tnLst>
-  </p:timing>
 </p:sldLayout>
 </file>
 
@@ -8659,7 +8564,7 @@
           <a:p>
             <a:fld id="{5958763E-B898-436D-883D-03711491D54A}" type="datetimeFigureOut">
               <a:rPr lang="en-US" smtClean="0"/>
-              <a:t>3/23/2020</a:t>
+              <a:t>3/18/2022</a:t>
             </a:fld>
             <a:endParaRPr lang="en-US"/>
           </a:p>
@@ -8732,13 +8637,6 @@
   <p:transition>
     <p:fade/>
   </p:transition>
-  <p:timing>
-    <p:tnLst>
-      <p:par>
-        <p:cTn id="1" dur="indefinite" restart="never" nodeType="tmRoot"/>
-      </p:par>
-    </p:tnLst>
-  </p:timing>
 </p:sldLayout>
 </file>
 
@@ -8818,7 +8716,7 @@
                 <a:spcPct val="0"/>
               </a:spcAft>
             </a:pPr>
-            <a:endParaRPr lang="en-US" sz="2400" dirty="0" err="1" smtClean="0">
+            <a:endParaRPr lang="en-US" sz="2400" dirty="0" err="1">
               <a:gradFill>
                 <a:gsLst>
                   <a:gs pos="0">
@@ -8951,15 +8849,7 @@
           <a:p>
             <a:r>
               <a:rPr lang="en-US" dirty="0"/>
-              <a:t>Click to edit Master </a:t>
-            </a:r>
-            <a:r>
-              <a:rPr lang="en-US" dirty="0" smtClean="0"/>
-              <a:t>subtitle </a:t>
-            </a:r>
-            <a:r>
-              <a:rPr lang="en-US" dirty="0"/>
-              <a:t>style</a:t>
+              <a:t>Click to edit Master subtitle style</a:t>
             </a:r>
           </a:p>
         </p:txBody>
@@ -9001,7 +8891,7 @@
             <a:fld id="{1C2D31DE-C454-491C-B5C3-F097855E3DF7}" type="datetime4">
               <a:rPr lang="en-US" smtClean="0"/>
               <a:pPr/>
-              <a:t>March 23, 2020</a:t>
+              <a:t>March 18, 2022</a:t>
             </a:fld>
             <a:endParaRPr lang="en-US" dirty="0"/>
           </a:p>
@@ -12075,17 +11965,16 @@
           <a:p>
             <a:pPr lvl="0"/>
             <a:r>
-              <a:rPr lang="en-US" dirty="0" smtClean="0"/>
+              <a:rPr lang="en-US" dirty="0"/>
               <a:t>Presenter Name</a:t>
             </a:r>
             <a:br>
-              <a:rPr lang="en-US" dirty="0" smtClean="0"/>
+              <a:rPr lang="en-US" dirty="0"/>
             </a:br>
             <a:r>
-              <a:rPr lang="en-US" dirty="0" smtClean="0"/>
+              <a:rPr lang="en-US" dirty="0"/>
               <a:t>Presenter Title</a:t>
             </a:r>
-            <a:endParaRPr lang="en-US" dirty="0"/>
           </a:p>
         </p:txBody>
       </p:sp>
@@ -12102,13 +11991,6 @@
   <p:transition>
     <p:fade/>
   </p:transition>
-  <p:timing>
-    <p:tnLst>
-      <p:par>
-        <p:cTn id="1" dur="indefinite" restart="never" nodeType="tmRoot"/>
-      </p:par>
-    </p:tnLst>
-  </p:timing>
   <p:hf sldNum="0" hdr="0" ftr="0"/>
 </p:sldLayout>
 </file>
@@ -12161,7 +12043,7 @@
           <a:p>
             <a:fld id="{5958763E-B898-436D-883D-03711491D54A}" type="datetimeFigureOut">
               <a:rPr lang="en-US" smtClean="0"/>
-              <a:t>3/23/2020</a:t>
+              <a:t>3/18/2022</a:t>
             </a:fld>
             <a:endParaRPr lang="en-US"/>
           </a:p>
@@ -12234,13 +12116,6 @@
   <p:transition>
     <p:fade/>
   </p:transition>
-  <p:timing>
-    <p:tnLst>
-      <p:par>
-        <p:cTn id="1" dur="indefinite" restart="never" nodeType="tmRoot"/>
-      </p:par>
-    </p:tnLst>
-  </p:timing>
 </p:sldLayout>
 </file>
 
@@ -12292,7 +12167,7 @@
           <a:p>
             <a:fld id="{5958763E-B898-436D-883D-03711491D54A}" type="datetimeFigureOut">
               <a:rPr lang="en-US" smtClean="0"/>
-              <a:t>3/23/2020</a:t>
+              <a:t>3/18/2022</a:t>
             </a:fld>
             <a:endParaRPr lang="en-US"/>
           </a:p>
@@ -12365,13 +12240,6 @@
   <p:transition>
     <p:fade/>
   </p:transition>
-  <p:timing>
-    <p:tnLst>
-      <p:par>
-        <p:cTn id="1" dur="indefinite" restart="never" nodeType="tmRoot"/>
-      </p:par>
-    </p:tnLst>
-  </p:timing>
 </p:sldLayout>
 </file>
 
@@ -12423,7 +12291,7 @@
           <a:p>
             <a:fld id="{5958763E-B898-436D-883D-03711491D54A}" type="datetimeFigureOut">
               <a:rPr lang="en-US" smtClean="0"/>
-              <a:t>3/23/2020</a:t>
+              <a:t>3/18/2022</a:t>
             </a:fld>
             <a:endParaRPr lang="en-US"/>
           </a:p>
@@ -12496,13 +12364,6 @@
   <p:transition>
     <p:fade/>
   </p:transition>
-  <p:timing>
-    <p:tnLst>
-      <p:par>
-        <p:cTn id="1" dur="indefinite" restart="never" nodeType="tmRoot"/>
-      </p:par>
-    </p:tnLst>
-  </p:timing>
 </p:sldLayout>
 </file>
 
@@ -12554,7 +12415,7 @@
           <a:p>
             <a:fld id="{5958763E-B898-436D-883D-03711491D54A}" type="datetimeFigureOut">
               <a:rPr lang="en-US" smtClean="0"/>
-              <a:t>3/23/2020</a:t>
+              <a:t>3/18/2022</a:t>
             </a:fld>
             <a:endParaRPr lang="en-US"/>
           </a:p>
@@ -12627,13 +12488,6 @@
   <p:transition>
     <p:fade/>
   </p:transition>
-  <p:timing>
-    <p:tnLst>
-      <p:par>
-        <p:cTn id="1" dur="indefinite" restart="never" nodeType="tmRoot"/>
-      </p:par>
-    </p:tnLst>
-  </p:timing>
 </p:sldLayout>
 </file>
 
@@ -12685,7 +12539,7 @@
           <a:p>
             <a:fld id="{5958763E-B898-436D-883D-03711491D54A}" type="datetimeFigureOut">
               <a:rPr lang="en-US" smtClean="0"/>
-              <a:t>3/23/2020</a:t>
+              <a:t>3/18/2022</a:t>
             </a:fld>
             <a:endParaRPr lang="en-US"/>
           </a:p>
@@ -12758,13 +12612,6 @@
   <p:transition>
     <p:fade/>
   </p:transition>
-  <p:timing>
-    <p:tnLst>
-      <p:par>
-        <p:cTn id="1" dur="indefinite" restart="never" nodeType="tmRoot"/>
-      </p:par>
-    </p:tnLst>
-  </p:timing>
 </p:sldLayout>
 </file>
 
@@ -12816,7 +12663,7 @@
           <a:p>
             <a:fld id="{5958763E-B898-436D-883D-03711491D54A}" type="datetimeFigureOut">
               <a:rPr lang="en-US" smtClean="0"/>
-              <a:t>3/23/2020</a:t>
+              <a:t>3/18/2022</a:t>
             </a:fld>
             <a:endParaRPr lang="en-US"/>
           </a:p>
@@ -12889,13 +12736,6 @@
   <p:transition>
     <p:fade/>
   </p:transition>
-  <p:timing>
-    <p:tnLst>
-      <p:par>
-        <p:cTn id="1" dur="indefinite" restart="never" nodeType="tmRoot"/>
-      </p:par>
-    </p:tnLst>
-  </p:timing>
 </p:sldLayout>
 </file>
 
@@ -12947,7 +12787,7 @@
           <a:p>
             <a:fld id="{5958763E-B898-436D-883D-03711491D54A}" type="datetimeFigureOut">
               <a:rPr lang="en-US" smtClean="0"/>
-              <a:t>3/23/2020</a:t>
+              <a:t>3/18/2022</a:t>
             </a:fld>
             <a:endParaRPr lang="en-US"/>
           </a:p>
@@ -13020,13 +12860,6 @@
   <p:transition>
     <p:fade/>
   </p:transition>
-  <p:timing>
-    <p:tnLst>
-      <p:par>
-        <p:cTn id="1" dur="indefinite" restart="never" nodeType="tmRoot"/>
-      </p:par>
-    </p:tnLst>
-  </p:timing>
 </p:sldLayout>
 </file>
 
@@ -13078,7 +12911,7 @@
           <a:p>
             <a:fld id="{5958763E-B898-436D-883D-03711491D54A}" type="datetimeFigureOut">
               <a:rPr lang="en-US" smtClean="0"/>
-              <a:t>3/23/2020</a:t>
+              <a:t>3/18/2022</a:t>
             </a:fld>
             <a:endParaRPr lang="en-US"/>
           </a:p>
@@ -13151,13 +12984,6 @@
   <p:transition>
     <p:fade/>
   </p:transition>
-  <p:timing>
-    <p:tnLst>
-      <p:par>
-        <p:cTn id="1" dur="indefinite" restart="never" nodeType="tmRoot"/>
-      </p:par>
-    </p:tnLst>
-  </p:timing>
 </p:sldLayout>
 </file>
 
@@ -13218,7 +13044,7 @@
           <a:p>
             <a:fld id="{5958763E-B898-436D-883D-03711491D54A}" type="datetimeFigureOut">
               <a:rPr lang="en-US" smtClean="0"/>
-              <a:t>3/23/2020</a:t>
+              <a:t>3/18/2022</a:t>
             </a:fld>
             <a:endParaRPr lang="en-US"/>
           </a:p>
@@ -13291,13 +13117,6 @@
   <p:transition>
     <p:fade/>
   </p:transition>
-  <p:timing>
-    <p:tnLst>
-      <p:par>
-        <p:cTn id="1" dur="indefinite" restart="never" nodeType="tmRoot"/>
-      </p:par>
-    </p:tnLst>
-  </p:timing>
 </p:sldLayout>
 </file>
 
@@ -16299,13 +16118,6 @@
   <p:transition>
     <p:fade/>
   </p:transition>
-  <p:timing>
-    <p:tnLst>
-      <p:par>
-        <p:cTn id="1" dur="indefinite" restart="never" nodeType="tmRoot"/>
-      </p:par>
-    </p:tnLst>
-  </p:timing>
 </p:sldLayout>
 </file>
 
@@ -16393,7 +16205,7 @@
                 <a:spcPct val="0"/>
               </a:spcAft>
             </a:pPr>
-            <a:endParaRPr lang="en-US" sz="2400" dirty="0" err="1" smtClean="0">
+            <a:endParaRPr lang="en-US" sz="2400" dirty="0" err="1">
               <a:gradFill>
                 <a:gsLst>
                   <a:gs pos="0">
@@ -16529,15 +16341,7 @@
           <a:p>
             <a:r>
               <a:rPr lang="en-US" dirty="0"/>
-              <a:t>Click to edit Master </a:t>
-            </a:r>
-            <a:r>
-              <a:rPr lang="en-US" dirty="0" smtClean="0"/>
-              <a:t>subtitle </a:t>
-            </a:r>
-            <a:r>
-              <a:rPr lang="en-US" dirty="0"/>
-              <a:t>style</a:t>
+              <a:t>Click to edit Master subtitle style</a:t>
             </a:r>
           </a:p>
         </p:txBody>
@@ -16579,7 +16383,7 @@
             <a:fld id="{1C2D31DE-C454-491C-B5C3-F097855E3DF7}" type="datetime4">
               <a:rPr lang="en-US" smtClean="0"/>
               <a:pPr/>
-              <a:t>March 23, 2020</a:t>
+              <a:t>March 18, 2022</a:t>
             </a:fld>
             <a:endParaRPr lang="en-US" dirty="0"/>
           </a:p>
@@ -19661,17 +19465,16 @@
           <a:p>
             <a:pPr lvl="0"/>
             <a:r>
-              <a:rPr lang="en-US" dirty="0" smtClean="0"/>
+              <a:rPr lang="en-US" dirty="0"/>
               <a:t>Presenter Name</a:t>
             </a:r>
             <a:br>
-              <a:rPr lang="en-US" dirty="0" smtClean="0"/>
+              <a:rPr lang="en-US" dirty="0"/>
             </a:br>
             <a:r>
-              <a:rPr lang="en-US" dirty="0" smtClean="0"/>
+              <a:rPr lang="en-US" dirty="0"/>
               <a:t>Presenter Title</a:t>
             </a:r>
-            <a:endParaRPr lang="en-US" dirty="0"/>
           </a:p>
         </p:txBody>
       </p:sp>
@@ -19688,13 +19491,6 @@
   <p:transition>
     <p:fade/>
   </p:transition>
-  <p:timing>
-    <p:tnLst>
-      <p:par>
-        <p:cTn id="1" dur="indefinite" restart="never" nodeType="tmRoot"/>
-      </p:par>
-    </p:tnLst>
-  </p:timing>
   <p:hf sldNum="0" hdr="0" ftr="0"/>
 </p:sldLayout>
 </file>
@@ -27204,10 +27000,9 @@
           <a:p>
             <a:pPr lvl="0"/>
             <a:r>
-              <a:rPr lang="en-US" dirty="0" smtClean="0"/>
+              <a:rPr lang="en-US" dirty="0"/>
               <a:t>&lt;Call to action&gt;</a:t>
             </a:r>
-            <a:endParaRPr lang="en-US" dirty="0"/>
           </a:p>
         </p:txBody>
       </p:sp>
@@ -28824,7 +28619,7 @@
           <a:p>
             <a:fld id="{5958763E-B898-436D-883D-03711491D54A}" type="datetimeFigureOut">
               <a:rPr lang="en-US" smtClean="0"/>
-              <a:t>3/23/2020</a:t>
+              <a:t>3/18/2022</a:t>
             </a:fld>
             <a:endParaRPr lang="en-US"/>
           </a:p>
@@ -28951,7 +28746,7 @@
                 <a:spcPct val="0"/>
               </a:spcAft>
             </a:pPr>
-            <a:endParaRPr lang="en-US" sz="2400" dirty="0" err="1" smtClean="0">
+            <a:endParaRPr lang="en-US" sz="2400" dirty="0" err="1">
               <a:gradFill>
                 <a:gsLst>
                   <a:gs pos="0">
@@ -28982,13 +28777,6 @@
   <p:transition>
     <p:fade/>
   </p:transition>
-  <p:timing>
-    <p:tnLst>
-      <p:par>
-        <p:cTn id="1" dur="indefinite" restart="never" nodeType="tmRoot"/>
-      </p:par>
-    </p:tnLst>
-  </p:timing>
 </p:sldLayout>
 </file>
 
@@ -29233,7 +29021,7 @@
           <a:p>
             <a:fld id="{5958763E-B898-436D-883D-03711491D54A}" type="datetimeFigureOut">
               <a:rPr lang="en-US" smtClean="0"/>
-              <a:t>3/23/2020</a:t>
+              <a:t>3/18/2022</a:t>
             </a:fld>
             <a:endParaRPr lang="en-US"/>
           </a:p>
@@ -29306,13 +29094,6 @@
   <p:transition>
     <p:fade/>
   </p:transition>
-  <p:timing>
-    <p:tnLst>
-      <p:par>
-        <p:cTn id="1" dur="indefinite" restart="never" nodeType="tmRoot"/>
-      </p:par>
-    </p:tnLst>
-  </p:timing>
 </p:sldLayout>
 </file>
 
@@ -29534,7 +29315,7 @@
           <a:p>
             <a:fld id="{5958763E-B898-436D-883D-03711491D54A}" type="datetimeFigureOut">
               <a:rPr lang="en-US" smtClean="0"/>
-              <a:t>3/23/2020</a:t>
+              <a:t>3/18/2022</a:t>
             </a:fld>
             <a:endParaRPr lang="en-US"/>
           </a:p>
@@ -29607,13 +29388,6 @@
   <p:transition>
     <p:fade/>
   </p:transition>
-  <p:timing>
-    <p:tnLst>
-      <p:par>
-        <p:cTn id="1" dur="indefinite" restart="never" nodeType="tmRoot"/>
-      </p:par>
-    </p:tnLst>
-  </p:timing>
 </p:sldLayout>
 </file>
 
@@ -29742,7 +29516,7 @@
           <a:p>
             <a:fld id="{5958763E-B898-436D-883D-03711491D54A}" type="datetimeFigureOut">
               <a:rPr lang="en-US" smtClean="0"/>
-              <a:t>3/23/2020</a:t>
+              <a:t>3/18/2022</a:t>
             </a:fld>
             <a:endParaRPr lang="en-US"/>
           </a:p>
@@ -29865,13 +29639,6 @@
   <p:transition>
     <p:fade/>
   </p:transition>
-  <p:timing>
-    <p:tnLst>
-      <p:par>
-        <p:cTn id="1" dur="indefinite" restart="never" nodeType="tmRoot"/>
-      </p:par>
-    </p:tnLst>
-  </p:timing>
 </p:sldLayout>
 </file>
 
@@ -30010,7 +29777,7 @@
           <a:p>
             <a:fld id="{5958763E-B898-436D-883D-03711491D54A}" type="datetimeFigureOut">
               <a:rPr lang="en-US" smtClean="0"/>
-              <a:t>3/23/2020</a:t>
+              <a:t>3/18/2022</a:t>
             </a:fld>
             <a:endParaRPr lang="en-US"/>
           </a:p>
@@ -30137,13 +29904,6 @@
   <p:transition>
     <p:fade/>
   </p:transition>
-  <p:timing>
-    <p:tnLst>
-      <p:par>
-        <p:cTn id="1" dur="indefinite" restart="never" nodeType="tmRoot"/>
-      </p:par>
-    </p:tnLst>
-  </p:timing>
 </p:sldLayout>
 </file>
 
@@ -30305,7 +30065,7 @@
                 <a:spcPct val="0"/>
               </a:spcAft>
             </a:pPr>
-            <a:endParaRPr lang="en-US" sz="2400" dirty="0" err="1" smtClean="0">
+            <a:endParaRPr lang="en-US" sz="2400" dirty="0" err="1">
               <a:gradFill>
                 <a:gsLst>
                   <a:gs pos="0">
@@ -30356,10 +30116,9 @@
           </a:lstStyle>
           <a:p>
             <a:r>
-              <a:rPr lang="en-US" dirty="0" smtClean="0"/>
+              <a:rPr lang="en-US" dirty="0"/>
               <a:t>Type “Agenda”</a:t>
             </a:r>
-            <a:endParaRPr lang="en-US" dirty="0"/>
           </a:p>
         </p:txBody>
       </p:sp>
@@ -30483,24 +30242,23 @@
           <a:p>
             <a:pPr lvl="0"/>
             <a:r>
-              <a:rPr lang="en-US" dirty="0" smtClean="0"/>
+              <a:rPr lang="en-US" dirty="0"/>
               <a:t>Item 1</a:t>
             </a:r>
           </a:p>
           <a:p>
             <a:pPr lvl="0"/>
             <a:r>
-              <a:rPr lang="en-US" dirty="0" smtClean="0"/>
+              <a:rPr lang="en-US" dirty="0"/>
               <a:t>Item 2</a:t>
             </a:r>
           </a:p>
           <a:p>
             <a:pPr lvl="0"/>
             <a:r>
-              <a:rPr lang="en-US" dirty="0" smtClean="0"/>
+              <a:rPr lang="en-US" dirty="0"/>
               <a:t>Item 3</a:t>
             </a:r>
-            <a:endParaRPr lang="en-US" dirty="0"/>
           </a:p>
         </p:txBody>
       </p:sp>
@@ -30527,7 +30285,7 @@
           <a:p>
             <a:fld id="{5958763E-B898-436D-883D-03711491D54A}" type="datetimeFigureOut">
               <a:rPr lang="en-US" smtClean="0"/>
-              <a:t>3/23/2020</a:t>
+              <a:t>3/18/2022</a:t>
             </a:fld>
             <a:endParaRPr lang="en-US"/>
           </a:p>
@@ -30634,13 +30392,6 @@
   <p:transition>
     <p:fade/>
   </p:transition>
-  <p:timing>
-    <p:tnLst>
-      <p:par>
-        <p:cTn id="1" dur="indefinite" restart="never" nodeType="tmRoot"/>
-      </p:par>
-    </p:tnLst>
-  </p:timing>
 </p:sldLayout>
 </file>
 
@@ -30802,7 +30553,7 @@
                 <a:spcPct val="0"/>
               </a:spcAft>
             </a:pPr>
-            <a:endParaRPr lang="en-US" sz="2400" dirty="0" err="1" smtClean="0">
+            <a:endParaRPr lang="en-US" sz="2400" dirty="0" err="1">
               <a:gradFill>
                 <a:gsLst>
                   <a:gs pos="0">
@@ -30855,10 +30606,9 @@
           </a:lstStyle>
           <a:p>
             <a:r>
-              <a:rPr lang="en-US" dirty="0" smtClean="0"/>
+              <a:rPr lang="en-US" dirty="0"/>
               <a:t>Notable Quote</a:t>
             </a:r>
-            <a:endParaRPr lang="en-US" dirty="0"/>
           </a:p>
         </p:txBody>
       </p:sp>
@@ -30985,10 +30735,9 @@
           <a:p>
             <a:pPr lvl="0"/>
             <a:r>
-              <a:rPr lang="en-US" dirty="0" smtClean="0"/>
+              <a:rPr lang="en-US" dirty="0"/>
               <a:t>– Attribution</a:t>
             </a:r>
-            <a:endParaRPr lang="en-US" dirty="0"/>
           </a:p>
         </p:txBody>
       </p:sp>
@@ -31015,7 +30764,7 @@
           <a:p>
             <a:fld id="{5958763E-B898-436D-883D-03711491D54A}" type="datetimeFigureOut">
               <a:rPr lang="en-US" smtClean="0"/>
-              <a:t>3/23/2020</a:t>
+              <a:t>3/18/2022</a:t>
             </a:fld>
             <a:endParaRPr lang="en-US"/>
           </a:p>
@@ -31763,13 +31512,6 @@
   <p:transition>
     <p:fade/>
   </p:transition>
-  <p:timing>
-    <p:tnLst>
-      <p:par>
-        <p:cTn id="1" dur="indefinite" restart="never" nodeType="tmRoot"/>
-      </p:par>
-    </p:tnLst>
-  </p:timing>
 </p:sldLayout>
 </file>
 
@@ -31841,7 +31583,7 @@
           <a:p>
             <a:fld id="{5958763E-B898-436D-883D-03711491D54A}" type="datetimeFigureOut">
               <a:rPr lang="en-US" smtClean="0"/>
-              <a:t>3/23/2020</a:t>
+              <a:t>3/18/2022</a:t>
             </a:fld>
             <a:endParaRPr lang="en-US"/>
           </a:p>
@@ -31914,13 +31656,6 @@
   <p:transition>
     <p:fade/>
   </p:transition>
-  <p:timing>
-    <p:tnLst>
-      <p:par>
-        <p:cTn id="1" dur="indefinite" restart="never" nodeType="tmRoot"/>
-      </p:par>
-    </p:tnLst>
-  </p:timing>
 </p:sldLayout>
 </file>
 
@@ -32049,7 +31784,7 @@
           <a:p>
             <a:fld id="{5958763E-B898-436D-883D-03711491D54A}" type="datetimeFigureOut">
               <a:rPr lang="en-US" smtClean="0"/>
-              <a:t>3/23/2020</a:t>
+              <a:t>3/18/2022</a:t>
             </a:fld>
             <a:endParaRPr lang="en-US"/>
           </a:p>
@@ -32172,13 +31907,6 @@
   <p:transition>
     <p:fade/>
   </p:transition>
-  <p:timing>
-    <p:tnLst>
-      <p:par>
-        <p:cTn id="1" dur="indefinite" restart="never" nodeType="tmRoot"/>
-      </p:par>
-    </p:tnLst>
-  </p:timing>
 </p:sldLayout>
 </file>
 
@@ -32391,7 +32119,7 @@
           <a:p>
             <a:fld id="{5958763E-B898-436D-883D-03711491D54A}" type="datetimeFigureOut">
               <a:rPr lang="en-US" smtClean="0"/>
-              <a:t>3/23/2020</a:t>
+              <a:t>3/18/2022</a:t>
             </a:fld>
             <a:endParaRPr lang="en-US"/>
           </a:p>
@@ -32464,13 +32192,6 @@
   <p:transition>
     <p:fade/>
   </p:transition>
-  <p:timing>
-    <p:tnLst>
-      <p:par>
-        <p:cTn id="1" dur="indefinite" restart="never" nodeType="tmRoot"/>
-      </p:par>
-    </p:tnLst>
-  </p:timing>
 </p:sldLayout>
 </file>
 
@@ -32628,7 +32349,7 @@
           <a:p>
             <a:fld id="{5958763E-B898-436D-883D-03711491D54A}" type="datetimeFigureOut">
               <a:rPr lang="en-US" smtClean="0"/>
-              <a:t>3/23/2020</a:t>
+              <a:t>3/18/2022</a:t>
             </a:fld>
             <a:endParaRPr lang="en-US"/>
           </a:p>
@@ -32701,13 +32422,6 @@
   <p:transition>
     <p:fade/>
   </p:transition>
-  <p:timing>
-    <p:tnLst>
-      <p:par>
-        <p:cTn id="1" dur="indefinite" restart="never" nodeType="tmRoot"/>
-      </p:par>
-    </p:tnLst>
-  </p:timing>
 </p:sldLayout>
 </file>
 
@@ -32879,7 +32593,7 @@
           <a:p>
             <a:fld id="{5958763E-B898-436D-883D-03711491D54A}" type="datetimeFigureOut">
               <a:rPr lang="en-US" smtClean="0"/>
-              <a:t>3/23/2020</a:t>
+              <a:t>3/18/2022</a:t>
             </a:fld>
             <a:endParaRPr lang="en-US"/>
           </a:p>
@@ -33025,13 +32739,6 @@
   <p:transition>
     <p:fade/>
   </p:transition>
-  <p:timing>
-    <p:tnLst>
-      <p:par>
-        <p:cTn id="1" dur="indefinite" restart="never" nodeType="tmRoot"/>
-      </p:par>
-    </p:tnLst>
-  </p:timing>
   <p:txStyles>
     <p:titleStyle>
       <a:lvl1pPr algn="l" defTabSz="914400" rtl="0" eaLnBrk="1" latinLnBrk="0" hangingPunct="1">
@@ -33336,7 +33043,7 @@
       </a:lvl9pPr>
     </p:otherStyle>
   </p:txStyles>
-  <p:extLst mod="1">
+  <p:extLst>
     <p:ext uri="{27BBF7A9-308A-43DC-89C8-2F10F3537804}">
       <p15:sldGuideLst xmlns:p15="http://schemas.microsoft.com/office/powerpoint/2012/main">
         <p15:guide id="1" orient="horz" pos="2160" userDrawn="1">
@@ -33415,14 +33122,9 @@
           <a:lstStyle/>
           <a:p>
             <a:r>
-              <a:rPr lang="en-US" sz="6600" dirty="0" smtClean="0"/>
-              <a:t>Mor</a:t>
+              <a:rPr lang="en-US" sz="6600" dirty="0"/>
+              <a:t>More CSS Selectors</a:t>
             </a:r>
-            <a:r>
-              <a:rPr lang="en-US" sz="6600" dirty="0" smtClean="0"/>
-              <a:t>e CSS Selectors</a:t>
-            </a:r>
-            <a:endParaRPr lang="en-US" sz="6600" dirty="0"/>
           </a:p>
         </p:txBody>
       </p:sp>
@@ -33447,10 +33149,9 @@
           <a:lstStyle/>
           <a:p>
             <a:r>
-              <a:rPr lang="en-US" dirty="0" smtClean="0"/>
+              <a:rPr lang="en-US" dirty="0"/>
               <a:t>Hy-Tech Club: Web 101</a:t>
             </a:r>
-            <a:endParaRPr lang="en-US" dirty="0"/>
           </a:p>
         </p:txBody>
       </p:sp>
@@ -36435,13 +36136,6 @@
   <p:transition>
     <p:fade/>
   </p:transition>
-  <p:timing>
-    <p:tnLst>
-      <p:par>
-        <p:cTn id="1" dur="indefinite" restart="never" nodeType="tmRoot"/>
-      </p:par>
-    </p:tnLst>
-  </p:timing>
 </p:sld>
 </file>
 
@@ -36478,10 +36172,9 @@
           <a:lstStyle/>
           <a:p>
             <a:r>
-              <a:rPr lang="en-US" dirty="0" smtClean="0"/>
+              <a:rPr lang="en-US" dirty="0"/>
               <a:t>Descendant selector</a:t>
             </a:r>
-            <a:endParaRPr lang="en-US" dirty="0"/>
           </a:p>
         </p:txBody>
       </p:sp>
@@ -36503,7 +36196,7 @@
           <a:lstStyle/>
           <a:p>
             <a:r>
-              <a:rPr lang="en-US" dirty="0" smtClean="0"/>
+              <a:rPr lang="en-US" dirty="0"/>
               <a:t>Select an element within another element</a:t>
             </a:r>
           </a:p>
@@ -36515,18 +36208,13 @@
               <a:buNone/>
             </a:pPr>
             <a:r>
-              <a:rPr lang="en-US" b="1" dirty="0" smtClean="0">
+              <a:rPr lang="en-US" b="1" dirty="0">
                 <a:solidFill>
                   <a:schemeClr val="tx2"/>
                 </a:solidFill>
               </a:rPr>
               <a:t>CSS:</a:t>
             </a:r>
-            <a:endParaRPr lang="en-US" b="1" dirty="0">
-              <a:solidFill>
-                <a:schemeClr val="tx2"/>
-              </a:solidFill>
-            </a:endParaRPr>
           </a:p>
           <a:p>
             <a:pPr marL="57150" indent="0">
@@ -36606,7 +36294,7 @@
               <a:buNone/>
             </a:pPr>
             <a:r>
-              <a:rPr lang="en-US" dirty="0" smtClean="0">
+              <a:rPr lang="en-US" dirty="0">
                 <a:solidFill>
                   <a:srgbClr val="000000"/>
                 </a:solidFill>
@@ -36619,7 +36307,7 @@
             <a:pPr marL="57150" indent="0">
               <a:buNone/>
             </a:pPr>
-            <a:endParaRPr lang="en-US" dirty="0" smtClean="0">
+            <a:endParaRPr lang="en-US" dirty="0">
               <a:solidFill>
                 <a:schemeClr val="bg2">
                   <a:lumMod val="75000"/>
@@ -36632,20 +36320,12 @@
               <a:buNone/>
             </a:pPr>
             <a:r>
-              <a:rPr lang="en-US" b="1" dirty="0" smtClean="0">
-                <a:solidFill>
-                  <a:schemeClr val="tx2"/>
-                </a:solidFill>
-              </a:rPr>
-              <a:t>HTML</a:t>
-            </a:r>
-            <a:r>
               <a:rPr lang="en-US" b="1" dirty="0">
                 <a:solidFill>
                   <a:schemeClr val="tx2"/>
                 </a:solidFill>
               </a:rPr>
-              <a:t>:</a:t>
+              <a:t>HTML:</a:t>
             </a:r>
           </a:p>
           <a:p>
@@ -36786,16 +36466,7 @@
                 </a:solidFill>
                 <a:latin typeface="Consolas" panose="020B0609020204030204" pitchFamily="49" charset="0"/>
               </a:rPr>
-              <a:t>&lt;/a</a:t>
-            </a:r>
-            <a:r>
-              <a:rPr lang="en-US" dirty="0" smtClean="0">
-                <a:solidFill>
-                  <a:srgbClr val="800000"/>
-                </a:solidFill>
-                <a:latin typeface="Consolas" panose="020B0609020204030204" pitchFamily="49" charset="0"/>
-              </a:rPr>
-              <a:t>&gt;</a:t>
+              <a:t>&lt;/a&gt;</a:t>
             </a:r>
             <a:endParaRPr lang="en-US" dirty="0">
               <a:solidFill>
@@ -36819,13 +36490,6 @@
   <p:transition>
     <p:fade/>
   </p:transition>
-  <p:timing>
-    <p:tnLst>
-      <p:par>
-        <p:cTn id="1" dur="indefinite" restart="never" nodeType="tmRoot"/>
-      </p:par>
-    </p:tnLst>
-  </p:timing>
 </p:sld>
 </file>
 
@@ -36872,18 +36536,9 @@
           <a:lstStyle/>
           <a:p>
             <a:r>
-              <a:rPr lang="en-US" dirty="0" smtClean="0"/>
-              <a:t>descendant</a:t>
+              <a:rPr lang="en-US" dirty="0"/>
+              <a:t>descendant Selector example</a:t>
             </a:r>
-            <a:r>
-              <a:rPr lang="en-US" dirty="0" smtClean="0"/>
-              <a:t> Selector </a:t>
-            </a:r>
-            <a:r>
-              <a:rPr lang="en-US" dirty="0" smtClean="0"/>
-              <a:t>example</a:t>
-            </a:r>
-            <a:endParaRPr lang="en-US" dirty="0"/>
           </a:p>
         </p:txBody>
       </p:sp>
@@ -36908,12 +36563,12 @@
               <a:buNone/>
             </a:pPr>
             <a:r>
-              <a:rPr lang="en-US" sz="9600" dirty="0">
+              <a:rPr lang="en-US" sz="8800" dirty="0">
                 <a:hlinkClick r:id="rId3"/>
               </a:rPr>
-              <a:t>https://repl.it/repls/MotionlessSmoothBooleanalgebra</a:t>
+              <a:t>https://replit.com/@HylandOutreach/DescendantSelectorExample</a:t>
             </a:r>
-            <a:endParaRPr lang="en-US" sz="16600" dirty="0"/>
+            <a:endParaRPr lang="en-US" sz="13800" dirty="0"/>
           </a:p>
         </p:txBody>
       </p:sp>
@@ -36930,13 +36585,6 @@
   <p:transition>
     <p:fade/>
   </p:transition>
-  <p:timing>
-    <p:tnLst>
-      <p:par>
-        <p:cTn id="1" dur="indefinite" restart="never" nodeType="tmRoot"/>
-      </p:par>
-    </p:tnLst>
-  </p:timing>
 </p:sld>
 </file>
 
@@ -36983,18 +36631,13 @@
           <a:lstStyle/>
           <a:p>
             <a:r>
-              <a:rPr lang="en-US" dirty="0" smtClean="0">
+              <a:rPr lang="en-US" dirty="0">
                 <a:solidFill>
                   <a:schemeClr val="bg1"/>
                 </a:solidFill>
               </a:rPr>
               <a:t>Selectors recap </a:t>
             </a:r>
-            <a:endParaRPr lang="en-US" dirty="0">
-              <a:solidFill>
-                <a:schemeClr val="bg1"/>
-              </a:solidFill>
-            </a:endParaRPr>
           </a:p>
         </p:txBody>
       </p:sp>
@@ -37019,7 +36662,7 @@
           <a:lstStyle/>
           <a:p>
             <a:r>
-              <a:rPr lang="en-US" b="1" dirty="0" smtClean="0">
+              <a:rPr lang="en-US" b="1" dirty="0">
                 <a:solidFill>
                   <a:schemeClr val="bg1"/>
                 </a:solidFill>
@@ -37027,7 +36670,7 @@
               <a:t>Selectors</a:t>
             </a:r>
             <a:r>
-              <a:rPr lang="en-US" dirty="0" smtClean="0">
+              <a:rPr lang="en-US" dirty="0">
                 <a:solidFill>
                   <a:schemeClr val="bg1"/>
                 </a:solidFill>
@@ -37044,7 +36687,7 @@
           </a:p>
           <a:p>
             <a:r>
-              <a:rPr lang="en-US" i="1" dirty="0" smtClean="0">
+              <a:rPr lang="en-US" i="1" dirty="0">
                 <a:solidFill>
                   <a:schemeClr val="bg1"/>
                 </a:solidFill>
@@ -37054,7 +36697,7 @@
           </a:p>
           <a:p>
             <a:r>
-              <a:rPr lang="en-US" dirty="0" smtClean="0">
+              <a:rPr lang="en-US" dirty="0">
                 <a:solidFill>
                   <a:schemeClr val="bg1"/>
                 </a:solidFill>
@@ -37062,7 +36705,7 @@
               <a:t>A: The </a:t>
             </a:r>
             <a:r>
-              <a:rPr lang="en-US" b="1" dirty="0" smtClean="0">
+              <a:rPr lang="en-US" b="1" dirty="0">
                 <a:solidFill>
                   <a:schemeClr val="bg1"/>
                 </a:solidFill>
@@ -37070,7 +36713,7 @@
               <a:t>element selector</a:t>
             </a:r>
             <a:r>
-              <a:rPr lang="en-US" dirty="0" smtClean="0">
+              <a:rPr lang="en-US" dirty="0">
                 <a:solidFill>
                   <a:schemeClr val="bg1"/>
                 </a:solidFill>
@@ -37086,7 +36729,7 @@
             </a:endParaRPr>
           </a:p>
           <a:p>
-            <a:endParaRPr lang="en-US" dirty="0" smtClean="0">
+            <a:endParaRPr lang="en-US" dirty="0">
               <a:solidFill>
                 <a:schemeClr val="bg1"/>
               </a:solidFill>
@@ -37233,7 +36876,7 @@
                 <a:spcPts val="600"/>
               </a:spcAft>
             </a:pPr>
-            <a:endParaRPr lang="en-US" sz="2400" dirty="0" err="1" smtClean="0">
+            <a:endParaRPr lang="en-US" sz="2400" dirty="0" err="1">
               <a:gradFill>
                 <a:gsLst>
                   <a:gs pos="2917">
@@ -37317,7 +36960,7 @@
                 <a:spcPct val="0"/>
               </a:spcAft>
             </a:pPr>
-            <a:endParaRPr lang="en-US" sz="2400" dirty="0" err="1" smtClean="0">
+            <a:endParaRPr lang="en-US" sz="2400" dirty="0" err="1">
               <a:gradFill>
                 <a:gsLst>
                   <a:gs pos="0">
@@ -37708,10 +37351,9 @@
           <a:lstStyle/>
           <a:p>
             <a:r>
-              <a:rPr lang="en-US" dirty="0" smtClean="0"/>
+              <a:rPr lang="en-US" dirty="0"/>
               <a:t>More about selectors</a:t>
             </a:r>
-            <a:endParaRPr lang="en-US" dirty="0"/>
           </a:p>
         </p:txBody>
       </p:sp>
@@ -37730,11 +37372,11 @@
           <a:bodyPr/>
           <a:lstStyle/>
           <a:p>
-            <a:endParaRPr lang="en-US" dirty="0" smtClean="0"/>
+            <a:endParaRPr lang="en-US" dirty="0"/>
           </a:p>
           <a:p>
             <a:r>
-              <a:rPr lang="en-US" dirty="0" smtClean="0"/>
+              <a:rPr lang="en-US" dirty="0"/>
               <a:t>There are many types of selectors</a:t>
             </a:r>
           </a:p>
@@ -37743,16 +37385,8 @@
           </a:p>
           <a:p>
             <a:r>
-              <a:rPr lang="en-US" dirty="0" smtClean="0"/>
-              <a:t>Selectors </a:t>
-            </a:r>
-            <a:r>
               <a:rPr lang="en-US" dirty="0"/>
-              <a:t>can be combined to yield complex </a:t>
-            </a:r>
-            <a:r>
-              <a:rPr lang="en-US" dirty="0" smtClean="0"/>
-              <a:t>selections</a:t>
+              <a:t>Selectors can be combined to yield complex selections</a:t>
             </a:r>
           </a:p>
           <a:p>
@@ -37791,11 +37425,7 @@
             </a:r>
             <a:r>
               <a:rPr lang="en-US" dirty="0"/>
-              <a:t> </a:t>
-            </a:r>
-            <a:r>
-              <a:rPr lang="en-US" dirty="0" smtClean="0"/>
-              <a:t>selector</a:t>
+              <a:t> selector</a:t>
             </a:r>
           </a:p>
           <a:p>
@@ -37816,13 +37446,6 @@
   <p:transition>
     <p:fade/>
   </p:transition>
-  <p:timing>
-    <p:tnLst>
-      <p:par>
-        <p:cTn id="1" dur="indefinite" restart="never" nodeType="tmRoot"/>
-      </p:par>
-    </p:tnLst>
-  </p:timing>
 </p:sld>
 </file>
 
@@ -37876,13 +37499,8 @@
             </a:r>
             <a:r>
               <a:rPr lang="en-US" dirty="0"/>
-              <a:t> </a:t>
+              <a:t> selector – example</a:t>
             </a:r>
-            <a:r>
-              <a:rPr lang="en-US" dirty="0" smtClean="0"/>
-              <a:t>selector – example</a:t>
-            </a:r>
-            <a:endParaRPr lang="en-US" dirty="0"/>
           </a:p>
         </p:txBody>
       </p:sp>
@@ -37905,7 +37523,7 @@
               <a:buNone/>
             </a:pPr>
             <a:r>
-              <a:rPr lang="en-US" b="1" dirty="0" smtClean="0"/>
+              <a:rPr lang="en-US" b="1" dirty="0"/>
               <a:t>CSS:</a:t>
             </a:r>
           </a:p>
@@ -37991,14 +37609,14 @@
             <a:pPr marL="57150" indent="0">
               <a:buNone/>
             </a:pPr>
-            <a:endParaRPr lang="en-US" dirty="0" smtClean="0"/>
+            <a:endParaRPr lang="en-US" dirty="0"/>
           </a:p>
           <a:p>
             <a:pPr marL="57150" indent="0">
               <a:buNone/>
             </a:pPr>
             <a:r>
-              <a:rPr lang="en-US" b="1" dirty="0" smtClean="0"/>
+              <a:rPr lang="en-US" b="1" dirty="0"/>
               <a:t>HTML:</a:t>
             </a:r>
           </a:p>
@@ -38189,13 +37807,6 @@
   <p:transition>
     <p:fade/>
   </p:transition>
-  <p:timing>
-    <p:tnLst>
-      <p:par>
-        <p:cTn id="1" dur="indefinite" restart="never" nodeType="tmRoot"/>
-      </p:par>
-    </p:tnLst>
-  </p:timing>
 </p:sld>
 </file>
 
@@ -38232,11 +37843,11 @@
           <a:lstStyle/>
           <a:p>
             <a:r>
-              <a:rPr lang="en-US" dirty="0" smtClean="0"/>
+              <a:rPr lang="en-US" dirty="0"/>
               <a:t>The </a:t>
             </a:r>
             <a:r>
-              <a:rPr lang="en-US" sz="4000" cap="none" dirty="0" smtClean="0">
+              <a:rPr lang="en-US" sz="4000" cap="none" dirty="0">
                 <a:solidFill>
                   <a:schemeClr val="accent1">
                     <a:lumMod val="50000"/>
@@ -38247,10 +37858,9 @@
               <a:t>class</a:t>
             </a:r>
             <a:r>
-              <a:rPr lang="en-US" dirty="0" smtClean="0"/>
+              <a:rPr lang="en-US" dirty="0"/>
               <a:t> Selector – More info</a:t>
             </a:r>
-            <a:endParaRPr lang="en-US" dirty="0"/>
           </a:p>
         </p:txBody>
       </p:sp>
@@ -38269,15 +37879,15 @@
           <a:bodyPr/>
           <a:lstStyle/>
           <a:p>
-            <a:endParaRPr lang="en-US" dirty="0" smtClean="0"/>
+            <a:endParaRPr lang="en-US" dirty="0"/>
           </a:p>
           <a:p>
             <a:r>
-              <a:rPr lang="en-US" dirty="0" smtClean="0"/>
+              <a:rPr lang="en-US" dirty="0"/>
               <a:t>The </a:t>
             </a:r>
             <a:r>
-              <a:rPr lang="en-US" dirty="0" smtClean="0">
+              <a:rPr lang="en-US" dirty="0">
                 <a:solidFill>
                   <a:schemeClr val="accent1">
                     <a:lumMod val="50000"/>
@@ -38289,41 +37899,33 @@
             </a:r>
             <a:r>
               <a:rPr lang="en-US" dirty="0"/>
-              <a:t> </a:t>
+              <a:t> attribute can be added to any HTML element</a:t>
             </a:r>
+          </a:p>
+          <a:p>
             <a:r>
-              <a:rPr lang="en-US" dirty="0" smtClean="0"/>
-              <a:t>attribute can be added to any HTML element</a:t>
-            </a:r>
-          </a:p>
-          <a:p>
-            <a:r>
-              <a:rPr lang="en-US" dirty="0" smtClean="0"/>
+              <a:rPr lang="en-US" dirty="0"/>
               <a:t>It</a:t>
             </a:r>
             <a:r>
               <a:rPr lang="en-US" i="1" dirty="0"/>
-              <a:t> </a:t>
+              <a:t> classifies</a:t>
             </a:r>
             <a:r>
-              <a:rPr lang="en-US" i="1" dirty="0" smtClean="0"/>
-              <a:t>classifies</a:t>
-            </a:r>
-            <a:r>
-              <a:rPr lang="en-US" dirty="0" smtClean="0"/>
+              <a:rPr lang="en-US" dirty="0"/>
               <a:t> the element, usually to determine which styles apply</a:t>
             </a:r>
           </a:p>
           <a:p>
             <a:pPr lvl="1"/>
             <a:r>
-              <a:rPr lang="en-US" dirty="0" smtClean="0"/>
+              <a:rPr lang="en-US" dirty="0"/>
               <a:t>This makes styles reusable across multiple elements</a:t>
             </a:r>
           </a:p>
           <a:p>
             <a:r>
-              <a:rPr lang="en-US" dirty="0" smtClean="0"/>
+              <a:rPr lang="en-US" dirty="0"/>
               <a:t>In CSS, HTML elements can be selected based on the value of the </a:t>
             </a:r>
             <a:r>
@@ -38338,39 +37940,39 @@
               <a:t>class</a:t>
             </a:r>
             <a:r>
-              <a:rPr lang="en-US" dirty="0" smtClean="0"/>
+              <a:rPr lang="en-US" dirty="0"/>
               <a:t> attribute (using </a:t>
             </a:r>
             <a:r>
-              <a:rPr lang="en-US" b="1" dirty="0" smtClean="0"/>
+              <a:rPr lang="en-US" b="1" dirty="0"/>
               <a:t>.class</a:t>
             </a:r>
             <a:r>
-              <a:rPr lang="en-US" dirty="0" smtClean="0"/>
+              <a:rPr lang="en-US" dirty="0"/>
               <a:t>)</a:t>
             </a:r>
           </a:p>
           <a:p>
             <a:r>
-              <a:rPr lang="en-US" dirty="0" smtClean="0"/>
+              <a:rPr lang="en-US" dirty="0"/>
               <a:t>It is </a:t>
             </a:r>
             <a:r>
-              <a:rPr lang="en-US" i="1" dirty="0" smtClean="0"/>
+              <a:rPr lang="en-US" i="1" dirty="0"/>
               <a:t>more specific</a:t>
             </a:r>
             <a:r>
-              <a:rPr lang="en-US" dirty="0" smtClean="0"/>
+              <a:rPr lang="en-US" dirty="0"/>
               <a:t> than the element selector</a:t>
             </a:r>
           </a:p>
           <a:p>
             <a:r>
-              <a:rPr lang="en-US" dirty="0" smtClean="0"/>
+              <a:rPr lang="en-US" dirty="0"/>
               <a:t>An HTML element can have any number of </a:t>
             </a:r>
             <a:r>
-              <a:rPr lang="en-US" i="1" dirty="0" smtClean="0"/>
+              <a:rPr lang="en-US" i="1" dirty="0"/>
               <a:t>classes</a:t>
             </a:r>
           </a:p>
@@ -38816,14 +38418,9 @@
           <a:lstStyle/>
           <a:p>
             <a:r>
-              <a:rPr lang="en-US" dirty="0" smtClean="0"/>
-              <a:t>Class Selector </a:t>
+              <a:rPr lang="en-US" dirty="0"/>
+              <a:t>Class Selector example</a:t>
             </a:r>
-            <a:r>
-              <a:rPr lang="en-US" dirty="0" smtClean="0"/>
-              <a:t>example</a:t>
-            </a:r>
-            <a:endParaRPr lang="en-US" dirty="0"/>
           </a:p>
         </p:txBody>
       </p:sp>
@@ -38848,12 +38445,12 @@
               <a:buNone/>
             </a:pPr>
             <a:r>
-              <a:rPr lang="en-US" sz="11500" dirty="0">
+              <a:rPr lang="en-US" sz="9600" dirty="0">
                 <a:hlinkClick r:id="rId3"/>
               </a:rPr>
-              <a:t>https://repl.it/repls/BeautifulStandardStatistics</a:t>
+              <a:t>https://replit.com/@HylandOutreach/ClassSelectorExample</a:t>
             </a:r>
-            <a:endParaRPr lang="en-US" sz="13800" dirty="0"/>
+            <a:endParaRPr lang="en-US" sz="11500" dirty="0"/>
           </a:p>
         </p:txBody>
       </p:sp>
@@ -38870,13 +38467,6 @@
   <p:transition>
     <p:fade/>
   </p:transition>
-  <p:timing>
-    <p:tnLst>
-      <p:par>
-        <p:cTn id="1" dur="indefinite" restart="never" nodeType="tmRoot"/>
-      </p:par>
-    </p:tnLst>
-  </p:timing>
 </p:sld>
 </file>
 
@@ -38913,7 +38503,7 @@
           <a:lstStyle/>
           <a:p>
             <a:r>
-              <a:rPr lang="en-US" sz="4000" cap="none" dirty="0" smtClean="0">
+              <a:rPr lang="en-US" sz="4000" cap="none" dirty="0">
                 <a:solidFill>
                   <a:schemeClr val="accent1">
                     <a:lumMod val="40000"/>
@@ -38925,10 +38515,9 @@
               <a:t>id</a:t>
             </a:r>
             <a:r>
-              <a:rPr lang="en-US" dirty="0" smtClean="0"/>
+              <a:rPr lang="en-US" dirty="0"/>
               <a:t> selector example (plus a new property)</a:t>
             </a:r>
-            <a:endParaRPr lang="en-US" dirty="0"/>
           </a:p>
         </p:txBody>
       </p:sp>
@@ -38951,10 +38540,9 @@
               <a:buNone/>
             </a:pPr>
             <a:r>
-              <a:rPr lang="en-US" b="1" dirty="0" smtClean="0"/>
+              <a:rPr lang="en-US" b="1" dirty="0"/>
               <a:t>CSS:</a:t>
             </a:r>
-            <a:endParaRPr lang="en-US" b="1" dirty="0"/>
           </a:p>
           <a:p>
             <a:pPr marL="0" indent="0">
@@ -39171,13 +38759,6 @@
   <p:transition>
     <p:fade/>
   </p:transition>
-  <p:timing>
-    <p:tnLst>
-      <p:par>
-        <p:cTn id="1" dur="indefinite" restart="never" nodeType="tmRoot"/>
-      </p:par>
-    </p:tnLst>
-  </p:timing>
 </p:sld>
 </file>
 
@@ -39214,11 +38795,11 @@
           <a:lstStyle/>
           <a:p>
             <a:r>
-              <a:rPr lang="en-US" dirty="0" smtClean="0"/>
+              <a:rPr lang="en-US" dirty="0"/>
               <a:t>How is the </a:t>
             </a:r>
             <a:r>
-              <a:rPr lang="en-US" sz="4000" cap="none" dirty="0" smtClean="0">
+              <a:rPr lang="en-US" sz="4000" cap="none" dirty="0">
                 <a:solidFill>
                   <a:schemeClr val="accent1">
                     <a:lumMod val="50000"/>
@@ -39229,10 +38810,9 @@
               <a:t>id</a:t>
             </a:r>
             <a:r>
-              <a:rPr lang="en-US" dirty="0" smtClean="0"/>
+              <a:rPr lang="en-US" dirty="0"/>
               <a:t> selector different?</a:t>
             </a:r>
-            <a:endParaRPr lang="en-US" dirty="0"/>
           </a:p>
         </p:txBody>
       </p:sp>
@@ -39251,11 +38831,11 @@
           <a:bodyPr/>
           <a:lstStyle/>
           <a:p>
-            <a:endParaRPr lang="en-US" dirty="0" smtClean="0"/>
+            <a:endParaRPr lang="en-US" dirty="0"/>
           </a:p>
           <a:p>
             <a:r>
-              <a:rPr lang="en-US" dirty="0" smtClean="0"/>
+              <a:rPr lang="en-US" dirty="0"/>
               <a:t>The </a:t>
             </a:r>
             <a:r>
@@ -39270,15 +38850,15 @@
               <a:t>id</a:t>
             </a:r>
             <a:r>
-              <a:rPr lang="en-US" dirty="0" smtClean="0"/>
+              <a:rPr lang="en-US" dirty="0"/>
               <a:t> attribute is </a:t>
             </a:r>
             <a:r>
-              <a:rPr lang="en-US" u="sng" dirty="0" smtClean="0"/>
+              <a:rPr lang="en-US" u="sng" dirty="0"/>
               <a:t>UNIQUE</a:t>
             </a:r>
             <a:r>
-              <a:rPr lang="en-US" dirty="0" smtClean="0"/>
+              <a:rPr lang="en-US" dirty="0"/>
               <a:t> to a given element</a:t>
             </a:r>
           </a:p>
@@ -39287,15 +38867,15 @@
           </a:p>
           <a:p>
             <a:r>
-              <a:rPr lang="en-US" dirty="0" smtClean="0"/>
+              <a:rPr lang="en-US" dirty="0"/>
               <a:t>Use a hashtag to select the element in CSS (</a:t>
             </a:r>
             <a:r>
-              <a:rPr lang="en-US" b="1" dirty="0" smtClean="0"/>
+              <a:rPr lang="en-US" b="1" dirty="0"/>
               <a:t>#id</a:t>
             </a:r>
             <a:r>
-              <a:rPr lang="en-US" dirty="0" smtClean="0"/>
+              <a:rPr lang="en-US" dirty="0"/>
               <a:t>)</a:t>
             </a:r>
           </a:p>
@@ -39304,7 +38884,7 @@
           </a:p>
           <a:p>
             <a:r>
-              <a:rPr lang="en-US" dirty="0" smtClean="0"/>
+              <a:rPr lang="en-US" dirty="0"/>
               <a:t>An element can only have ONE id</a:t>
             </a:r>
           </a:p>
@@ -39585,14 +39165,9 @@
           <a:lstStyle/>
           <a:p>
             <a:r>
-              <a:rPr lang="en-US" dirty="0" smtClean="0"/>
-              <a:t>ID Selector </a:t>
+              <a:rPr lang="en-US" dirty="0"/>
+              <a:t>ID Selector example</a:t>
             </a:r>
-            <a:r>
-              <a:rPr lang="en-US" dirty="0" smtClean="0"/>
-              <a:t>example</a:t>
-            </a:r>
-            <a:endParaRPr lang="en-US" dirty="0"/>
           </a:p>
         </p:txBody>
       </p:sp>
@@ -39617,12 +39192,12 @@
               <a:buNone/>
             </a:pPr>
             <a:r>
-              <a:rPr lang="en-US" sz="11500" dirty="0">
+              <a:rPr lang="en-US" sz="9600" dirty="0">
                 <a:hlinkClick r:id="rId3"/>
               </a:rPr>
-              <a:t>https://repl.it/repls/IntentionalAnotherBookmark</a:t>
+              <a:t>https://replit.com/@HylandOutreach/IdSelectorExample</a:t>
             </a:r>
-            <a:endParaRPr lang="en-US" sz="16600" dirty="0"/>
+            <a:endParaRPr lang="en-US" sz="13800" dirty="0"/>
           </a:p>
         </p:txBody>
       </p:sp>
@@ -39639,13 +39214,6 @@
   <p:transition>
     <p:fade/>
   </p:transition>
-  <p:timing>
-    <p:tnLst>
-      <p:par>
-        <p:cTn id="1" dur="indefinite" restart="never" nodeType="tmRoot"/>
-      </p:par>
-    </p:tnLst>
-  </p:timing>
 </p:sld>
 </file>
 

--- a/Week07/MoreSelectors.pptx
+++ b/Week07/MoreSelectors.pptx
@@ -44,6 +44,13 @@
       <p:font typeface="Roboto Condensed Light" panose="02000000000000000000" pitchFamily="2" charset="0"/>
       <p:regular r:id="rId22"/>
       <p:italic r:id="rId23"/>
+    </p:embeddedFont>
+    <p:embeddedFont>
+      <p:font typeface="Segoe UI" panose="020B0502040204020203" pitchFamily="34" charset="0"/>
+      <p:regular r:id="rId24"/>
+      <p:bold r:id="rId25"/>
+      <p:italic r:id="rId26"/>
+      <p:boldItalic r:id="rId27"/>
     </p:embeddedFont>
   </p:embeddedFontLst>
   <p:defaultTextStyle>
@@ -5976,7 +5983,7 @@
           <a:p>
             <a:fld id="{5958763E-B898-436D-883D-03711491D54A}" type="datetimeFigureOut">
               <a:rPr lang="en-US" smtClean="0"/>
-              <a:t>2/9/2023</a:t>
+              <a:t>6/25/2024</a:t>
             </a:fld>
             <a:endParaRPr lang="en-US"/>
           </a:p>
@@ -8119,9 +8126,12 @@
               <a:rPr lang="en-US" sz="1800" dirty="0">
                 <a:hlinkClick r:id="rId3"/>
               </a:rPr>
-              <a:t>https://replit.com/@HylandOutreach/DescendantSelectorExample</a:t>
-            </a:r>
-            <a:endParaRPr lang="en-US" sz="1800" dirty="0"/>
+              <a:t>https://glitch.com/edit/#!/descendantselectorexample</a:t>
+            </a:r>
+            <a:r>
+              <a:rPr lang="en-US" sz="1800" dirty="0"/>
+              <a:t> </a:t>
+            </a:r>
           </a:p>
         </p:txBody>
       </p:sp>
@@ -10542,7 +10552,11 @@
               <a:rPr lang="en-US" sz="2000" dirty="0">
                 <a:hlinkClick r:id="rId3"/>
               </a:rPr>
-              <a:t>https://replit.com/@HylandOutreach/ClassSelectorExample</a:t>
+              <a:t>https://glitch.com/edit/#!/classselectorexample</a:t>
+            </a:r>
+            <a:r>
+              <a:rPr lang="en-US" sz="2000" dirty="0"/>
+              <a:t> </a:t>
             </a:r>
             <a:endParaRPr lang="en-US" sz="2800" dirty="0"/>
           </a:p>
@@ -11289,9 +11303,12 @@
               <a:rPr lang="en-US" sz="2000" dirty="0">
                 <a:hlinkClick r:id="rId3"/>
               </a:rPr>
-              <a:t>https://replit.com/@HylandOutreach/IdSelectorExample</a:t>
-            </a:r>
-            <a:endParaRPr lang="en-US" sz="2000" dirty="0"/>
+              <a:t>https://glitch.com/edit/#!/idselectorexample</a:t>
+            </a:r>
+            <a:r>
+              <a:rPr lang="en-US" sz="2000" dirty="0"/>
+              <a:t> </a:t>
+            </a:r>
           </a:p>
         </p:txBody>
       </p:sp>

--- a/Week07/MoreSelectors.pptx
+++ b/Week07/MoreSelectors.pptx
@@ -5983,7 +5983,7 @@
           <a:p>
             <a:fld id="{5958763E-B898-436D-883D-03711491D54A}" type="datetimeFigureOut">
               <a:rPr lang="en-US" smtClean="0"/>
-              <a:t>6/25/2024</a:t>
+              <a:t>6/26/2024</a:t>
             </a:fld>
             <a:endParaRPr lang="en-US"/>
           </a:p>
@@ -8126,7 +8126,7 @@
               <a:rPr lang="en-US" sz="1800" dirty="0">
                 <a:hlinkClick r:id="rId3"/>
               </a:rPr>
-              <a:t>https://glitch.com/edit/#!/descendantselectorexample</a:t>
+              <a:t>https://glitch.com/edit/#!/remix/descendantselectorexample</a:t>
             </a:r>
             <a:r>
               <a:rPr lang="en-US" sz="1800" dirty="0"/>
@@ -10552,7 +10552,7 @@
               <a:rPr lang="en-US" sz="2000" dirty="0">
                 <a:hlinkClick r:id="rId3"/>
               </a:rPr>
-              <a:t>https://glitch.com/edit/#!/classselectorexample</a:t>
+              <a:t>https://glitch.com/edit/#!/remix/classselectorexample</a:t>
             </a:r>
             <a:r>
               <a:rPr lang="en-US" sz="2000" dirty="0"/>
@@ -11303,7 +11303,7 @@
               <a:rPr lang="en-US" sz="2000" dirty="0">
                 <a:hlinkClick r:id="rId3"/>
               </a:rPr>
-              <a:t>https://glitch.com/edit/#!/idselectorexample</a:t>
+              <a:t>https://glitch.com/edit/#!/remix/idselectorexample</a:t>
             </a:r>
             <a:r>
               <a:rPr lang="en-US" sz="2000" dirty="0"/>

--- a/Week07/MoreSelectors.pptx
+++ b/Week07/MoreSelectors.pptx
@@ -44,6 +44,13 @@
       <p:font typeface="Roboto Condensed Light" panose="02000000000000000000" pitchFamily="2" charset="0"/>
       <p:regular r:id="rId22"/>
       <p:italic r:id="rId23"/>
+    </p:embeddedFont>
+    <p:embeddedFont>
+      <p:font typeface="Segoe UI" panose="020B0502040204020203" pitchFamily="34" charset="0"/>
+      <p:regular r:id="rId24"/>
+      <p:bold r:id="rId25"/>
+      <p:italic r:id="rId26"/>
+      <p:boldItalic r:id="rId27"/>
     </p:embeddedFont>
   </p:embeddedFontLst>
   <p:defaultTextStyle>
@@ -5976,7 +5983,7 @@
           <a:p>
             <a:fld id="{5958763E-B898-436D-883D-03711491D54A}" type="datetimeFigureOut">
               <a:rPr lang="en-US" smtClean="0"/>
-              <a:t>2/9/2023</a:t>
+              <a:t>6/26/2024</a:t>
             </a:fld>
             <a:endParaRPr lang="en-US"/>
           </a:p>
@@ -8119,9 +8126,12 @@
               <a:rPr lang="en-US" sz="1800" dirty="0">
                 <a:hlinkClick r:id="rId3"/>
               </a:rPr>
-              <a:t>https://replit.com/@HylandOutreach/DescendantSelectorExample</a:t>
-            </a:r>
-            <a:endParaRPr lang="en-US" sz="1800" dirty="0"/>
+              <a:t>https://glitch.com/edit/#!/remix/descendantselectorexample</a:t>
+            </a:r>
+            <a:r>
+              <a:rPr lang="en-US" sz="1800" dirty="0"/>
+              <a:t> </a:t>
+            </a:r>
           </a:p>
         </p:txBody>
       </p:sp>
@@ -10542,7 +10552,11 @@
               <a:rPr lang="en-US" sz="2000" dirty="0">
                 <a:hlinkClick r:id="rId3"/>
               </a:rPr>
-              <a:t>https://replit.com/@HylandOutreach/ClassSelectorExample</a:t>
+              <a:t>https://glitch.com/edit/#!/remix/classselectorexample</a:t>
+            </a:r>
+            <a:r>
+              <a:rPr lang="en-US" sz="2000" dirty="0"/>
+              <a:t> </a:t>
             </a:r>
             <a:endParaRPr lang="en-US" sz="2800" dirty="0"/>
           </a:p>
@@ -11289,9 +11303,12 @@
               <a:rPr lang="en-US" sz="2000" dirty="0">
                 <a:hlinkClick r:id="rId3"/>
               </a:rPr>
-              <a:t>https://replit.com/@HylandOutreach/IdSelectorExample</a:t>
-            </a:r>
-            <a:endParaRPr lang="en-US" sz="2000" dirty="0"/>
+              <a:t>https://glitch.com/edit/#!/remix/idselectorexample</a:t>
+            </a:r>
+            <a:r>
+              <a:rPr lang="en-US" sz="2000" dirty="0"/>
+              <a:t> </a:t>
+            </a:r>
           </a:p>
         </p:txBody>
       </p:sp>

--- a/Week07/MoreSelectors.pptx
+++ b/Week07/MoreSelectors.pptx
@@ -44,13 +44,6 @@
       <p:font typeface="Roboto Condensed Light" panose="02000000000000000000" pitchFamily="2" charset="0"/>
       <p:regular r:id="rId22"/>
       <p:italic r:id="rId23"/>
-    </p:embeddedFont>
-    <p:embeddedFont>
-      <p:font typeface="Segoe UI" panose="020B0502040204020203" pitchFamily="34" charset="0"/>
-      <p:regular r:id="rId24"/>
-      <p:bold r:id="rId25"/>
-      <p:italic r:id="rId26"/>
-      <p:boldItalic r:id="rId27"/>
     </p:embeddedFont>
   </p:embeddedFontLst>
   <p:defaultTextStyle>
@@ -5983,7 +5976,7 @@
           <a:p>
             <a:fld id="{5958763E-B898-436D-883D-03711491D54A}" type="datetimeFigureOut">
               <a:rPr lang="en-US" smtClean="0"/>
-              <a:t>6/26/2024</a:t>
+              <a:t>2/9/2023</a:t>
             </a:fld>
             <a:endParaRPr lang="en-US"/>
           </a:p>
@@ -8126,12 +8119,9 @@
               <a:rPr lang="en-US" sz="1800" dirty="0">
                 <a:hlinkClick r:id="rId3"/>
               </a:rPr>
-              <a:t>https://glitch.com/edit/#!/remix/descendantselectorexample</a:t>
-            </a:r>
-            <a:r>
-              <a:rPr lang="en-US" sz="1800" dirty="0"/>
-              <a:t> </a:t>
-            </a:r>
+              <a:t>https://replit.com/@HylandOutreach/DescendantSelectorExample</a:t>
+            </a:r>
+            <a:endParaRPr lang="en-US" sz="1800" dirty="0"/>
           </a:p>
         </p:txBody>
       </p:sp>
@@ -10552,11 +10542,7 @@
               <a:rPr lang="en-US" sz="2000" dirty="0">
                 <a:hlinkClick r:id="rId3"/>
               </a:rPr>
-              <a:t>https://glitch.com/edit/#!/remix/classselectorexample</a:t>
-            </a:r>
-            <a:r>
-              <a:rPr lang="en-US" sz="2000" dirty="0"/>
-              <a:t> </a:t>
+              <a:t>https://replit.com/@HylandOutreach/ClassSelectorExample</a:t>
             </a:r>
             <a:endParaRPr lang="en-US" sz="2800" dirty="0"/>
           </a:p>
@@ -11303,12 +11289,9 @@
               <a:rPr lang="en-US" sz="2000" dirty="0">
                 <a:hlinkClick r:id="rId3"/>
               </a:rPr>
-              <a:t>https://glitch.com/edit/#!/remix/idselectorexample</a:t>
-            </a:r>
-            <a:r>
-              <a:rPr lang="en-US" sz="2000" dirty="0"/>
-              <a:t> </a:t>
-            </a:r>
+              <a:t>https://replit.com/@HylandOutreach/IdSelectorExample</a:t>
+            </a:r>
+            <a:endParaRPr lang="en-US" sz="2000" dirty="0"/>
           </a:p>
         </p:txBody>
       </p:sp>

--- a/Week07/MoreSelectors.pptx
+++ b/Week07/MoreSelectors.pptx
@@ -44,6 +44,13 @@
       <p:font typeface="Roboto Condensed Light" panose="02000000000000000000" pitchFamily="2" charset="0"/>
       <p:regular r:id="rId22"/>
       <p:italic r:id="rId23"/>
+    </p:embeddedFont>
+    <p:embeddedFont>
+      <p:font typeface="Segoe UI" panose="020B0502040204020203" pitchFamily="34" charset="0"/>
+      <p:regular r:id="rId24"/>
+      <p:bold r:id="rId25"/>
+      <p:italic r:id="rId26"/>
+      <p:boldItalic r:id="rId27"/>
     </p:embeddedFont>
   </p:embeddedFontLst>
   <p:defaultTextStyle>
@@ -5976,7 +5983,7 @@
           <a:p>
             <a:fld id="{5958763E-B898-436D-883D-03711491D54A}" type="datetimeFigureOut">
               <a:rPr lang="en-US" smtClean="0"/>
-              <a:t>2/9/2023</a:t>
+              <a:t>9/4/2024</a:t>
             </a:fld>
             <a:endParaRPr lang="en-US"/>
           </a:p>
@@ -8119,7 +8126,7 @@
               <a:rPr lang="en-US" sz="1800" dirty="0">
                 <a:hlinkClick r:id="rId3"/>
               </a:rPr>
-              <a:t>https://replit.com/@HylandOutreach/DescendantSelectorExample</a:t>
+              <a:t>https://jsfiddle.net/46u2vtxs/</a:t>
             </a:r>
             <a:endParaRPr lang="en-US" sz="1800" dirty="0"/>
           </a:p>
@@ -10542,7 +10549,7 @@
               <a:rPr lang="en-US" sz="2000" dirty="0">
                 <a:hlinkClick r:id="rId3"/>
               </a:rPr>
-              <a:t>https://replit.com/@HylandOutreach/ClassSelectorExample</a:t>
+              <a:t>https://jsfiddle.net/rs9qe04L/</a:t>
             </a:r>
             <a:endParaRPr lang="en-US" sz="2800" dirty="0"/>
           </a:p>
@@ -11289,7 +11296,7 @@
               <a:rPr lang="en-US" sz="2000" dirty="0">
                 <a:hlinkClick r:id="rId3"/>
               </a:rPr>
-              <a:t>https://replit.com/@HylandOutreach/IdSelectorExample</a:t>
+              <a:t>https://jsfiddle.net/uk6b49ws/</a:t>
             </a:r>
             <a:endParaRPr lang="en-US" sz="2000" dirty="0"/>
           </a:p>
